--- a/Documentazione/Presentazione progetto.pptx
+++ b/Documentazione/Presentazione progetto.pptx
@@ -303,7 +303,7 @@
           <a:p>
             <a:fld id="{4AAD347D-5ACD-4C99-B74B-A9C85AD731AF}" type="datetimeFigureOut">
               <a:rPr lang="en-US" dirty="0"/>
-              <a:t>5/31/22</a:t>
+              <a:t>6/1/2022</a:t>
             </a:fld>
             <a:endParaRPr lang="en-US" dirty="0"/>
           </a:p>
@@ -573,7 +573,7 @@
           <a:p>
             <a:fld id="{4509A250-FF31-4206-8172-F9D3106AACB1}" type="datetimeFigureOut">
               <a:rPr lang="en-US" dirty="0"/>
-              <a:t>5/31/22</a:t>
+              <a:t>6/1/2022</a:t>
             </a:fld>
             <a:endParaRPr lang="en-US" dirty="0"/>
           </a:p>
@@ -762,7 +762,7 @@
           <a:p>
             <a:fld id="{4509A250-FF31-4206-8172-F9D3106AACB1}" type="datetimeFigureOut">
               <a:rPr lang="en-US" dirty="0"/>
-              <a:t>5/31/22</a:t>
+              <a:t>6/1/2022</a:t>
             </a:fld>
             <a:endParaRPr lang="en-US" dirty="0"/>
           </a:p>
@@ -1030,7 +1030,7 @@
           <a:p>
             <a:fld id="{4509A250-FF31-4206-8172-F9D3106AACB1}" type="datetimeFigureOut">
               <a:rPr lang="en-US" dirty="0"/>
-              <a:t>5/31/22</a:t>
+              <a:t>6/1/2022</a:t>
             </a:fld>
             <a:endParaRPr lang="en-US" dirty="0"/>
           </a:p>
@@ -1366,7 +1366,7 @@
           <a:p>
             <a:fld id="{4509A250-FF31-4206-8172-F9D3106AACB1}" type="datetimeFigureOut">
               <a:rPr lang="en-US" dirty="0"/>
-              <a:t>5/31/22</a:t>
+              <a:t>6/1/2022</a:t>
             </a:fld>
             <a:endParaRPr lang="en-US" dirty="0"/>
           </a:p>
@@ -1984,7 +1984,7 @@
           <a:p>
             <a:fld id="{4509A250-FF31-4206-8172-F9D3106AACB1}" type="datetimeFigureOut">
               <a:rPr lang="en-US" dirty="0"/>
-              <a:t>5/31/22</a:t>
+              <a:t>6/1/2022</a:t>
             </a:fld>
             <a:endParaRPr lang="en-US" dirty="0"/>
           </a:p>
@@ -2839,7 +2839,7 @@
           <a:p>
             <a:fld id="{4509A250-FF31-4206-8172-F9D3106AACB1}" type="datetimeFigureOut">
               <a:rPr lang="en-US" dirty="0"/>
-              <a:t>5/31/22</a:t>
+              <a:t>6/1/2022</a:t>
             </a:fld>
             <a:endParaRPr lang="en-US" dirty="0"/>
           </a:p>
@@ -3004,7 +3004,7 @@
           <a:p>
             <a:fld id="{4509A250-FF31-4206-8172-F9D3106AACB1}" type="datetimeFigureOut">
               <a:rPr lang="en-US" dirty="0"/>
-              <a:t>5/31/22</a:t>
+              <a:t>6/1/2022</a:t>
             </a:fld>
             <a:endParaRPr lang="en-US" dirty="0"/>
           </a:p>
@@ -3179,7 +3179,7 @@
           <a:p>
             <a:fld id="{4509A250-FF31-4206-8172-F9D3106AACB1}" type="datetimeFigureOut">
               <a:rPr lang="en-US" dirty="0"/>
-              <a:t>5/31/22</a:t>
+              <a:t>6/1/2022</a:t>
             </a:fld>
             <a:endParaRPr lang="en-US" dirty="0"/>
           </a:p>
@@ -3344,7 +3344,7 @@
           <a:p>
             <a:fld id="{4509A250-FF31-4206-8172-F9D3106AACB1}" type="datetimeFigureOut">
               <a:rPr lang="en-US" dirty="0"/>
-              <a:t>5/31/22</a:t>
+              <a:t>6/1/2022</a:t>
             </a:fld>
             <a:endParaRPr lang="en-US" dirty="0"/>
           </a:p>
@@ -3586,7 +3586,7 @@
           <a:p>
             <a:fld id="{9796027F-7875-4030-9381-8BD8C4F21935}" type="datetimeFigureOut">
               <a:rPr lang="en-US" dirty="0"/>
-              <a:t>5/31/22</a:t>
+              <a:t>6/1/2022</a:t>
             </a:fld>
             <a:endParaRPr lang="en-US" dirty="0"/>
           </a:p>
@@ -3873,7 +3873,7 @@
           <a:p>
             <a:fld id="{9796027F-7875-4030-9381-8BD8C4F21935}" type="datetimeFigureOut">
               <a:rPr lang="en-US" dirty="0"/>
-              <a:t>5/31/22</a:t>
+              <a:t>6/1/2022</a:t>
             </a:fld>
             <a:endParaRPr lang="en-US" dirty="0"/>
           </a:p>
@@ -4312,7 +4312,7 @@
           <a:p>
             <a:fld id="{9796027F-7875-4030-9381-8BD8C4F21935}" type="datetimeFigureOut">
               <a:rPr lang="en-US" dirty="0"/>
-              <a:t>5/31/22</a:t>
+              <a:t>6/1/2022</a:t>
             </a:fld>
             <a:endParaRPr lang="en-US" dirty="0"/>
           </a:p>
@@ -4425,7 +4425,7 @@
           <a:p>
             <a:fld id="{4509A250-FF31-4206-8172-F9D3106AACB1}" type="datetimeFigureOut">
               <a:rPr lang="en-US" dirty="0"/>
-              <a:t>5/31/22</a:t>
+              <a:t>6/1/2022</a:t>
             </a:fld>
             <a:endParaRPr lang="en-US" dirty="0"/>
           </a:p>
@@ -4515,7 +4515,7 @@
           <a:p>
             <a:fld id="{4509A250-FF31-4206-8172-F9D3106AACB1}" type="datetimeFigureOut">
               <a:rPr lang="en-US" dirty="0"/>
-              <a:t>5/31/22</a:t>
+              <a:t>6/1/2022</a:t>
             </a:fld>
             <a:endParaRPr lang="en-US" dirty="0"/>
           </a:p>
@@ -4789,7 +4789,7 @@
           <a:p>
             <a:fld id="{4509A250-FF31-4206-8172-F9D3106AACB1}" type="datetimeFigureOut">
               <a:rPr lang="en-US" dirty="0"/>
-              <a:t>5/31/22</a:t>
+              <a:t>6/1/2022</a:t>
             </a:fld>
             <a:endParaRPr lang="en-US" dirty="0"/>
           </a:p>
@@ -5059,7 +5059,7 @@
           <a:p>
             <a:fld id="{4509A250-FF31-4206-8172-F9D3106AACB1}" type="datetimeFigureOut">
               <a:rPr lang="en-US" dirty="0"/>
-              <a:t>5/31/22</a:t>
+              <a:t>6/1/2022</a:t>
             </a:fld>
             <a:endParaRPr lang="en-US" dirty="0"/>
           </a:p>
@@ -5483,7 +5483,7 @@
           <a:p>
             <a:fld id="{4AAD347D-5ACD-4C99-B74B-A9C85AD731AF}" type="datetimeFigureOut">
               <a:rPr lang="en-US" dirty="0"/>
-              <a:t>5/31/22</a:t>
+              <a:t>6/1/2022</a:t>
             </a:fld>
             <a:endParaRPr lang="en-US" dirty="0"/>
           </a:p>
@@ -13061,37 +13061,6 @@
           </a:ln>
         </p:spPr>
       </p:sp>
-      <p:pic>
-        <p:nvPicPr>
-          <p:cNvPr id="5" name="Segnaposto contenuto 4">
-            <a:extLst>
-              <a:ext uri="{FF2B5EF4-FFF2-40B4-BE49-F238E27FC236}">
-                <a16:creationId xmlns:a16="http://schemas.microsoft.com/office/drawing/2014/main" id="{8AEACBBF-BF56-E41C-B21C-02493F7F82A1}"/>
-              </a:ext>
-            </a:extLst>
-          </p:cNvPr>
-          <p:cNvPicPr>
-            <a:picLocks noChangeAspect="1"/>
-          </p:cNvPicPr>
-          <p:nvPr/>
-        </p:nvPicPr>
-        <p:blipFill>
-          <a:blip r:embed="rId2"/>
-          <a:stretch>
-            <a:fillRect/>
-          </a:stretch>
-        </p:blipFill>
-        <p:spPr>
-          <a:xfrm>
-            <a:off x="5553491" y="1725906"/>
-            <a:ext cx="6526214" cy="4503201"/>
-          </a:xfrm>
-          <a:prstGeom prst="rect">
-            <a:avLst/>
-          </a:prstGeom>
-          <a:effectLst/>
-        </p:spPr>
-      </p:pic>
       <p:sp>
         <p:nvSpPr>
           <p:cNvPr id="18" name="Rectangle 17">
@@ -13259,7 +13228,7 @@
                   <a:srgbClr val="EBEBEB"/>
                 </a:solidFill>
               </a:rPr>
-              <a:t> </a:t>
+              <a:t> è possible </a:t>
             </a:r>
             <a:r>
               <a:rPr lang="en-US" dirty="0" err="1">
@@ -13267,7 +13236,15 @@
                   <a:srgbClr val="EBEBEB"/>
                 </a:solidFill>
               </a:rPr>
-              <a:t>è</a:t>
+              <a:t>cercare</a:t>
+            </a:r>
+            <a:r>
+              <a:rPr lang="en-US">
+                <a:solidFill>
+                  <a:srgbClr val="EBEBEB"/>
+                </a:solidFill>
+              </a:rPr>
+              <a:t>: </a:t>
             </a:r>
             <a:r>
               <a:rPr lang="en-US" dirty="0">
@@ -13275,7 +13252,7 @@
                   <a:srgbClr val="EBEBEB"/>
                 </a:solidFill>
               </a:rPr>
-              <a:t> possible </a:t>
+              <a:t>le canzoni </a:t>
             </a:r>
             <a:r>
               <a:rPr lang="en-US" dirty="0" err="1">
@@ -13283,7 +13260,39 @@
                   <a:srgbClr val="EBEBEB"/>
                 </a:solidFill>
               </a:rPr>
-              <a:t>soltanto</a:t>
+              <a:t>dentro</a:t>
+            </a:r>
+            <a:r>
+              <a:rPr lang="en-US" dirty="0">
+                <a:solidFill>
+                  <a:srgbClr val="EBEBEB"/>
+                </a:solidFill>
+              </a:rPr>
+              <a:t> il database </a:t>
+            </a:r>
+            <a:r>
+              <a:rPr lang="en-US" dirty="0" err="1">
+                <a:solidFill>
+                  <a:srgbClr val="EBEBEB"/>
+                </a:solidFill>
+              </a:rPr>
+              <a:t>ottenendo</a:t>
+            </a:r>
+            <a:r>
+              <a:rPr lang="en-US" dirty="0">
+                <a:solidFill>
+                  <a:srgbClr val="EBEBEB"/>
+                </a:solidFill>
+              </a:rPr>
+              <a:t> il link per la </a:t>
+            </a:r>
+            <a:r>
+              <a:rPr lang="en-US" dirty="0" err="1">
+                <a:solidFill>
+                  <a:srgbClr val="EBEBEB"/>
+                </a:solidFill>
+              </a:rPr>
+              <a:t>visione</a:t>
             </a:r>
             <a:r>
               <a:rPr lang="en-US" dirty="0">
@@ -13299,7 +13308,7 @@
                   <a:srgbClr val="EBEBEB"/>
                 </a:solidFill>
               </a:rPr>
-              <a:t>cercare</a:t>
+              <a:t>su</a:t>
             </a:r>
             <a:r>
               <a:rPr lang="en-US" dirty="0">
@@ -13307,7 +13316,7 @@
                   <a:srgbClr val="EBEBEB"/>
                 </a:solidFill>
               </a:rPr>
-              <a:t> le canzoni </a:t>
+              <a:t> YouTube e </a:t>
             </a:r>
             <a:r>
               <a:rPr lang="en-US" dirty="0" err="1">
@@ -13315,39 +13324,7 @@
                   <a:srgbClr val="EBEBEB"/>
                 </a:solidFill>
               </a:rPr>
-              <a:t>dentro</a:t>
-            </a:r>
-            <a:r>
-              <a:rPr lang="en-US" dirty="0">
-                <a:solidFill>
-                  <a:srgbClr val="EBEBEB"/>
-                </a:solidFill>
-              </a:rPr>
-              <a:t> il database e </a:t>
-            </a:r>
-            <a:r>
-              <a:rPr lang="en-US" dirty="0" err="1">
-                <a:solidFill>
-                  <a:srgbClr val="EBEBEB"/>
-                </a:solidFill>
-              </a:rPr>
-              <a:t>ottenere</a:t>
-            </a:r>
-            <a:r>
-              <a:rPr lang="en-US" dirty="0">
-                <a:solidFill>
-                  <a:srgbClr val="EBEBEB"/>
-                </a:solidFill>
-              </a:rPr>
-              <a:t> il link per la </a:t>
-            </a:r>
-            <a:r>
-              <a:rPr lang="en-US" dirty="0" err="1">
-                <a:solidFill>
-                  <a:srgbClr val="EBEBEB"/>
-                </a:solidFill>
-              </a:rPr>
-              <a:t>visione</a:t>
+              <a:t>i</a:t>
             </a:r>
             <a:r>
               <a:rPr lang="en-US" dirty="0">
@@ -13363,7 +13340,7 @@
                   <a:srgbClr val="EBEBEB"/>
                 </a:solidFill>
               </a:rPr>
-              <a:t>su</a:t>
+              <a:t>profili</a:t>
             </a:r>
             <a:r>
               <a:rPr lang="en-US" dirty="0">
@@ -13371,11 +13348,153 @@
                   <a:srgbClr val="EBEBEB"/>
                 </a:solidFill>
               </a:rPr>
-              <a:t> YouTube.</a:t>
+              <a:t> </a:t>
+            </a:r>
+            <a:r>
+              <a:rPr lang="en-US" dirty="0" err="1">
+                <a:solidFill>
+                  <a:srgbClr val="EBEBEB"/>
+                </a:solidFill>
+              </a:rPr>
+              <a:t>degli</a:t>
+            </a:r>
+            <a:r>
+              <a:rPr lang="en-US" dirty="0">
+                <a:solidFill>
+                  <a:srgbClr val="EBEBEB"/>
+                </a:solidFill>
+              </a:rPr>
+              <a:t> </a:t>
+            </a:r>
+            <a:r>
+              <a:rPr lang="en-US" dirty="0" err="1">
+                <a:solidFill>
+                  <a:srgbClr val="EBEBEB"/>
+                </a:solidFill>
+              </a:rPr>
+              <a:t>autori</a:t>
+            </a:r>
+            <a:r>
+              <a:rPr lang="en-US" dirty="0">
+                <a:solidFill>
+                  <a:srgbClr val="EBEBEB"/>
+                </a:solidFill>
+              </a:rPr>
+              <a:t> in modo tale </a:t>
+            </a:r>
+            <a:r>
+              <a:rPr lang="en-US" dirty="0" err="1">
+                <a:solidFill>
+                  <a:srgbClr val="EBEBEB"/>
+                </a:solidFill>
+              </a:rPr>
+              <a:t>che</a:t>
+            </a:r>
+            <a:r>
+              <a:rPr lang="en-US" dirty="0">
+                <a:solidFill>
+                  <a:srgbClr val="EBEBEB"/>
+                </a:solidFill>
+              </a:rPr>
+              <a:t> </a:t>
+            </a:r>
+            <a:r>
+              <a:rPr lang="en-US" dirty="0" err="1">
+                <a:solidFill>
+                  <a:srgbClr val="EBEBEB"/>
+                </a:solidFill>
+              </a:rPr>
+              <a:t>gli</a:t>
+            </a:r>
+            <a:r>
+              <a:rPr lang="en-US" dirty="0">
+                <a:solidFill>
+                  <a:srgbClr val="EBEBEB"/>
+                </a:solidFill>
+              </a:rPr>
+              <a:t> </a:t>
+            </a:r>
+            <a:r>
+              <a:rPr lang="en-US" dirty="0" err="1">
+                <a:solidFill>
+                  <a:srgbClr val="EBEBEB"/>
+                </a:solidFill>
+              </a:rPr>
+              <a:t>utenti</a:t>
+            </a:r>
+            <a:r>
+              <a:rPr lang="en-US" dirty="0">
+                <a:solidFill>
+                  <a:srgbClr val="EBEBEB"/>
+                </a:solidFill>
+              </a:rPr>
+              <a:t> li </a:t>
+            </a:r>
+            <a:r>
+              <a:rPr lang="en-US" dirty="0" err="1">
+                <a:solidFill>
+                  <a:srgbClr val="EBEBEB"/>
+                </a:solidFill>
+              </a:rPr>
+              <a:t>possano</a:t>
+            </a:r>
+            <a:r>
+              <a:rPr lang="en-US" dirty="0">
+                <a:solidFill>
+                  <a:srgbClr val="EBEBEB"/>
+                </a:solidFill>
+              </a:rPr>
+              <a:t> </a:t>
+            </a:r>
+            <a:r>
+              <a:rPr lang="en-US" dirty="0" err="1">
+                <a:solidFill>
+                  <a:srgbClr val="EBEBEB"/>
+                </a:solidFill>
+              </a:rPr>
+              <a:t>seguire</a:t>
+            </a:r>
+            <a:r>
+              <a:rPr lang="en-US" dirty="0">
+                <a:solidFill>
+                  <a:srgbClr val="EBEBEB"/>
+                </a:solidFill>
+              </a:rPr>
+              <a:t>.</a:t>
             </a:r>
           </a:p>
         </p:txBody>
       </p:sp>
+      <p:pic>
+        <p:nvPicPr>
+          <p:cNvPr id="7" name="Immagine 6">
+            <a:extLst>
+              <a:ext uri="{FF2B5EF4-FFF2-40B4-BE49-F238E27FC236}">
+                <a16:creationId xmlns:a16="http://schemas.microsoft.com/office/drawing/2014/main" id="{82D77605-9360-7D5E-7996-CBDD689FBBE8}"/>
+              </a:ext>
+            </a:extLst>
+          </p:cNvPr>
+          <p:cNvPicPr>
+            <a:picLocks noChangeAspect="1"/>
+          </p:cNvPicPr>
+          <p:nvPr/>
+        </p:nvPicPr>
+        <p:blipFill>
+          <a:blip r:embed="rId2"/>
+          <a:stretch>
+            <a:fillRect/>
+          </a:stretch>
+        </p:blipFill>
+        <p:spPr>
+          <a:xfrm>
+            <a:off x="5580421" y="1585609"/>
+            <a:ext cx="6540243" cy="4508961"/>
+          </a:xfrm>
+          <a:prstGeom prst="rect">
+            <a:avLst/>
+          </a:prstGeom>
+        </p:spPr>
+      </p:pic>
     </p:spTree>
     <p:extLst>
       <p:ext uri="{BB962C8B-B14F-4D97-AF65-F5344CB8AC3E}">

--- a/Documentazione/Presentazione progetto.pptx
+++ b/Documentazione/Presentazione progetto.pptx
@@ -303,7 +303,7 @@
           <a:p>
             <a:fld id="{4AAD347D-5ACD-4C99-B74B-A9C85AD731AF}" type="datetimeFigureOut">
               <a:rPr lang="en-US" dirty="0"/>
-              <a:t>6/1/2022</a:t>
+              <a:t>6/9/22</a:t>
             </a:fld>
             <a:endParaRPr lang="en-US" dirty="0"/>
           </a:p>
@@ -573,7 +573,7 @@
           <a:p>
             <a:fld id="{4509A250-FF31-4206-8172-F9D3106AACB1}" type="datetimeFigureOut">
               <a:rPr lang="en-US" dirty="0"/>
-              <a:t>6/1/2022</a:t>
+              <a:t>6/9/22</a:t>
             </a:fld>
             <a:endParaRPr lang="en-US" dirty="0"/>
           </a:p>
@@ -762,7 +762,7 @@
           <a:p>
             <a:fld id="{4509A250-FF31-4206-8172-F9D3106AACB1}" type="datetimeFigureOut">
               <a:rPr lang="en-US" dirty="0"/>
-              <a:t>6/1/2022</a:t>
+              <a:t>6/9/22</a:t>
             </a:fld>
             <a:endParaRPr lang="en-US" dirty="0"/>
           </a:p>
@@ -1030,7 +1030,7 @@
           <a:p>
             <a:fld id="{4509A250-FF31-4206-8172-F9D3106AACB1}" type="datetimeFigureOut">
               <a:rPr lang="en-US" dirty="0"/>
-              <a:t>6/1/2022</a:t>
+              <a:t>6/9/22</a:t>
             </a:fld>
             <a:endParaRPr lang="en-US" dirty="0"/>
           </a:p>
@@ -1366,7 +1366,7 @@
           <a:p>
             <a:fld id="{4509A250-FF31-4206-8172-F9D3106AACB1}" type="datetimeFigureOut">
               <a:rPr lang="en-US" dirty="0"/>
-              <a:t>6/1/2022</a:t>
+              <a:t>6/9/22</a:t>
             </a:fld>
             <a:endParaRPr lang="en-US" dirty="0"/>
           </a:p>
@@ -1984,7 +1984,7 @@
           <a:p>
             <a:fld id="{4509A250-FF31-4206-8172-F9D3106AACB1}" type="datetimeFigureOut">
               <a:rPr lang="en-US" dirty="0"/>
-              <a:t>6/1/2022</a:t>
+              <a:t>6/9/22</a:t>
             </a:fld>
             <a:endParaRPr lang="en-US" dirty="0"/>
           </a:p>
@@ -2839,7 +2839,7 @@
           <a:p>
             <a:fld id="{4509A250-FF31-4206-8172-F9D3106AACB1}" type="datetimeFigureOut">
               <a:rPr lang="en-US" dirty="0"/>
-              <a:t>6/1/2022</a:t>
+              <a:t>6/9/22</a:t>
             </a:fld>
             <a:endParaRPr lang="en-US" dirty="0"/>
           </a:p>
@@ -3004,7 +3004,7 @@
           <a:p>
             <a:fld id="{4509A250-FF31-4206-8172-F9D3106AACB1}" type="datetimeFigureOut">
               <a:rPr lang="en-US" dirty="0"/>
-              <a:t>6/1/2022</a:t>
+              <a:t>6/9/22</a:t>
             </a:fld>
             <a:endParaRPr lang="en-US" dirty="0"/>
           </a:p>
@@ -3179,7 +3179,7 @@
           <a:p>
             <a:fld id="{4509A250-FF31-4206-8172-F9D3106AACB1}" type="datetimeFigureOut">
               <a:rPr lang="en-US" dirty="0"/>
-              <a:t>6/1/2022</a:t>
+              <a:t>6/9/22</a:t>
             </a:fld>
             <a:endParaRPr lang="en-US" dirty="0"/>
           </a:p>
@@ -3344,7 +3344,7 @@
           <a:p>
             <a:fld id="{4509A250-FF31-4206-8172-F9D3106AACB1}" type="datetimeFigureOut">
               <a:rPr lang="en-US" dirty="0"/>
-              <a:t>6/1/2022</a:t>
+              <a:t>6/9/22</a:t>
             </a:fld>
             <a:endParaRPr lang="en-US" dirty="0"/>
           </a:p>
@@ -3586,7 +3586,7 @@
           <a:p>
             <a:fld id="{9796027F-7875-4030-9381-8BD8C4F21935}" type="datetimeFigureOut">
               <a:rPr lang="en-US" dirty="0"/>
-              <a:t>6/1/2022</a:t>
+              <a:t>6/9/22</a:t>
             </a:fld>
             <a:endParaRPr lang="en-US" dirty="0"/>
           </a:p>
@@ -3873,7 +3873,7 @@
           <a:p>
             <a:fld id="{9796027F-7875-4030-9381-8BD8C4F21935}" type="datetimeFigureOut">
               <a:rPr lang="en-US" dirty="0"/>
-              <a:t>6/1/2022</a:t>
+              <a:t>6/9/22</a:t>
             </a:fld>
             <a:endParaRPr lang="en-US" dirty="0"/>
           </a:p>
@@ -4312,7 +4312,7 @@
           <a:p>
             <a:fld id="{9796027F-7875-4030-9381-8BD8C4F21935}" type="datetimeFigureOut">
               <a:rPr lang="en-US" dirty="0"/>
-              <a:t>6/1/2022</a:t>
+              <a:t>6/9/22</a:t>
             </a:fld>
             <a:endParaRPr lang="en-US" dirty="0"/>
           </a:p>
@@ -4425,7 +4425,7 @@
           <a:p>
             <a:fld id="{4509A250-FF31-4206-8172-F9D3106AACB1}" type="datetimeFigureOut">
               <a:rPr lang="en-US" dirty="0"/>
-              <a:t>6/1/2022</a:t>
+              <a:t>6/9/22</a:t>
             </a:fld>
             <a:endParaRPr lang="en-US" dirty="0"/>
           </a:p>
@@ -4515,7 +4515,7 @@
           <a:p>
             <a:fld id="{4509A250-FF31-4206-8172-F9D3106AACB1}" type="datetimeFigureOut">
               <a:rPr lang="en-US" dirty="0"/>
-              <a:t>6/1/2022</a:t>
+              <a:t>6/9/22</a:t>
             </a:fld>
             <a:endParaRPr lang="en-US" dirty="0"/>
           </a:p>
@@ -4789,7 +4789,7 @@
           <a:p>
             <a:fld id="{4509A250-FF31-4206-8172-F9D3106AACB1}" type="datetimeFigureOut">
               <a:rPr lang="en-US" dirty="0"/>
-              <a:t>6/1/2022</a:t>
+              <a:t>6/9/22</a:t>
             </a:fld>
             <a:endParaRPr lang="en-US" dirty="0"/>
           </a:p>
@@ -5059,7 +5059,7 @@
           <a:p>
             <a:fld id="{4509A250-FF31-4206-8172-F9D3106AACB1}" type="datetimeFigureOut">
               <a:rPr lang="en-US" dirty="0"/>
-              <a:t>6/1/2022</a:t>
+              <a:t>6/9/22</a:t>
             </a:fld>
             <a:endParaRPr lang="en-US" dirty="0"/>
           </a:p>
@@ -5483,7 +5483,7 @@
           <a:p>
             <a:fld id="{4AAD347D-5ACD-4C99-B74B-A9C85AD731AF}" type="datetimeFigureOut">
               <a:rPr lang="en-US" dirty="0"/>
-              <a:t>6/1/2022</a:t>
+              <a:t>6/9/22</a:t>
             </a:fld>
             <a:endParaRPr lang="en-US" dirty="0"/>
           </a:p>
@@ -12040,7 +12040,23 @@
                   <a:srgbClr val="EBEBEB"/>
                 </a:solidFill>
               </a:rPr>
-              <a:t> possible </a:t>
+              <a:t> </a:t>
+            </a:r>
+            <a:r>
+              <a:rPr lang="en-US" dirty="0" err="1">
+                <a:solidFill>
+                  <a:srgbClr val="EBEBEB"/>
+                </a:solidFill>
+              </a:rPr>
+              <a:t>possibile</a:t>
+            </a:r>
+            <a:r>
+              <a:rPr lang="en-US" dirty="0">
+                <a:solidFill>
+                  <a:srgbClr val="EBEBEB"/>
+                </a:solidFill>
+              </a:rPr>
+              <a:t> </a:t>
             </a:r>
             <a:r>
               <a:rPr lang="en-US" dirty="0" err="1">
